--- a/day4_25_9_25/day4_25_9_25.pptx
+++ b/day4_25_9_25/day4_25_9_25.pptx
@@ -6,10 +6,11 @@
   </p:sldMasterIdLst>
   <p:sldIdLst>
     <p:sldId id="256" r:id="rId2"/>
-    <p:sldId id="258" r:id="rId3"/>
-    <p:sldId id="259" r:id="rId4"/>
-    <p:sldId id="260" r:id="rId5"/>
-    <p:sldId id="257" r:id="rId6"/>
+    <p:sldId id="261" r:id="rId3"/>
+    <p:sldId id="258" r:id="rId4"/>
+    <p:sldId id="259" r:id="rId5"/>
+    <p:sldId id="260" r:id="rId6"/>
+    <p:sldId id="257" r:id="rId7"/>
   </p:sldIdLst>
   <p:sldSz cx="12192000" cy="6858000"/>
   <p:notesSz cx="6858000" cy="9144000"/>
@@ -3446,13 +3447,8 @@
           <a:p>
             <a:r>
               <a:rPr lang="en-IN" sz="2400" dirty="0"/>
-              <a:t>Ex6: Create maven project add spring-context  dependency and have xml based context add a bean of type Person and access the </a:t>
-            </a:r>
-            <a:r>
-              <a:rPr lang="en-IN" sz="2400"/>
-              <a:t>bean using the context.</a:t>
-            </a:r>
-            <a:endParaRPr lang="en-IN" sz="2400" dirty="0"/>
+              <a:t>Ex6: Create maven project add spring-context  dependency and have xml based context add a bean of type Person and access the bean using the context.</a:t>
+            </a:r>
           </a:p>
         </p:txBody>
       </p:sp>
@@ -3470,6 +3466,104 @@
 </file>
 
 <file path=ppt/slides/slide2.xml><?xml version="1.0" encoding="utf-8"?>
+<p:sld xmlns:a="http://schemas.openxmlformats.org/drawingml/2006/main" xmlns:r="http://schemas.openxmlformats.org/officeDocument/2006/relationships" xmlns:p="http://schemas.openxmlformats.org/presentationml/2006/main">
+  <p:cSld>
+    <p:spTree>
+      <p:nvGrpSpPr>
+        <p:cNvPr id="1" name="">
+          <a:extLst>
+            <a:ext uri="{FF2B5EF4-FFF2-40B4-BE49-F238E27FC236}">
+              <a16:creationId xmlns:a16="http://schemas.microsoft.com/office/drawing/2014/main" id="{C38BE12A-C602-B0D2-A0DC-FAB6721A44B1}"/>
+            </a:ext>
+          </a:extLst>
+        </p:cNvPr>
+        <p:cNvGrpSpPr/>
+        <p:nvPr/>
+      </p:nvGrpSpPr>
+      <p:grpSpPr>
+        <a:xfrm>
+          <a:off x="0" y="0"/>
+          <a:ext cx="0" cy="0"/>
+          <a:chOff x="0" y="0"/>
+          <a:chExt cx="0" cy="0"/>
+        </a:xfrm>
+      </p:grpSpPr>
+      <p:sp>
+        <p:nvSpPr>
+          <p:cNvPr id="2" name="TextBox 1">
+            <a:extLst>
+              <a:ext uri="{FF2B5EF4-FFF2-40B4-BE49-F238E27FC236}">
+                <a16:creationId xmlns:a16="http://schemas.microsoft.com/office/drawing/2014/main" id="{AA158BD6-E3FD-2C54-5EC9-6A84592F2E28}"/>
+              </a:ext>
+            </a:extLst>
+          </p:cNvPr>
+          <p:cNvSpPr txBox="1"/>
+          <p:nvPr/>
+        </p:nvSpPr>
+        <p:spPr>
+          <a:xfrm>
+            <a:off x="638503" y="882869"/>
+            <a:ext cx="10594428" cy="1477328"/>
+          </a:xfrm>
+          <a:prstGeom prst="rect">
+            <a:avLst/>
+          </a:prstGeom>
+          <a:noFill/>
+        </p:spPr>
+        <p:txBody>
+          <a:bodyPr wrap="square" rtlCol="0">
+            <a:spAutoFit/>
+          </a:bodyPr>
+          <a:lstStyle/>
+          <a:p>
+            <a:r>
+              <a:rPr lang="en-IN" dirty="0"/>
+              <a:t>Ex7:  Using the scope parameter verify the singleton and prototype behaviour of spring bean</a:t>
+            </a:r>
+          </a:p>
+          <a:p>
+            <a:endParaRPr lang="en-IN" dirty="0"/>
+          </a:p>
+          <a:p>
+            <a:r>
+              <a:rPr lang="en-IN" dirty="0"/>
+              <a:t>Ex8: Using &lt;property&gt; tag initialize the values of the bean</a:t>
+            </a:r>
+          </a:p>
+          <a:p>
+            <a:endParaRPr lang="en-IN" dirty="0"/>
+          </a:p>
+          <a:p>
+            <a:r>
+              <a:rPr lang="en-IN" dirty="0"/>
+              <a:t>Ex9 : Add a constructor to the person bean and  initialize the spring beans through constructor-</a:t>
+            </a:r>
+            <a:r>
+              <a:rPr lang="en-IN" dirty="0" err="1"/>
+              <a:t>arg</a:t>
+            </a:r>
+            <a:r>
+              <a:rPr lang="en-IN"/>
+              <a:t> tag</a:t>
+            </a:r>
+            <a:endParaRPr lang="en-IN" sz="2400" dirty="0"/>
+          </a:p>
+        </p:txBody>
+      </p:sp>
+    </p:spTree>
+    <p:extLst>
+      <p:ext uri="{BB962C8B-B14F-4D97-AF65-F5344CB8AC3E}">
+        <p14:creationId xmlns:p14="http://schemas.microsoft.com/office/powerpoint/2010/main" val="1799227796"/>
+      </p:ext>
+    </p:extLst>
+  </p:cSld>
+  <p:clrMapOvr>
+    <a:masterClrMapping/>
+  </p:clrMapOvr>
+</p:sld>
+</file>
+
+<file path=ppt/slides/slide3.xml><?xml version="1.0" encoding="utf-8"?>
 <p:sld xmlns:a="http://schemas.openxmlformats.org/drawingml/2006/main" xmlns:r="http://schemas.openxmlformats.org/officeDocument/2006/relationships" xmlns:p="http://schemas.openxmlformats.org/presentationml/2006/main">
   <p:cSld>
     <p:spTree>
@@ -3840,125 +3934,6 @@
 </p:sld>
 </file>
 
-<file path=ppt/slides/slide3.xml><?xml version="1.0" encoding="utf-8"?>
-<p:sld xmlns:a="http://schemas.openxmlformats.org/drawingml/2006/main" xmlns:r="http://schemas.openxmlformats.org/officeDocument/2006/relationships" xmlns:p="http://schemas.openxmlformats.org/presentationml/2006/main">
-  <p:cSld>
-    <p:spTree>
-      <p:nvGrpSpPr>
-        <p:cNvPr id="1" name=""/>
-        <p:cNvGrpSpPr/>
-        <p:nvPr/>
-      </p:nvGrpSpPr>
-      <p:grpSpPr>
-        <a:xfrm>
-          <a:off x="0" y="0"/>
-          <a:ext cx="0" cy="0"/>
-          <a:chOff x="0" y="0"/>
-          <a:chExt cx="0" cy="0"/>
-        </a:xfrm>
-      </p:grpSpPr>
-      <p:sp>
-        <p:nvSpPr>
-          <p:cNvPr id="2" name="TextBox 1">
-            <a:extLst>
-              <a:ext uri="{FF2B5EF4-FFF2-40B4-BE49-F238E27FC236}">
-                <a16:creationId xmlns:a16="http://schemas.microsoft.com/office/drawing/2014/main" id="{CA7BE319-E6A5-20BD-B2DC-517F23E1FAD9}"/>
-              </a:ext>
-            </a:extLst>
-          </p:cNvPr>
-          <p:cNvSpPr txBox="1"/>
-          <p:nvPr/>
-        </p:nvSpPr>
-        <p:spPr>
-          <a:xfrm>
-            <a:off x="851338" y="867103"/>
-            <a:ext cx="10287000" cy="2585323"/>
-          </a:xfrm>
-          <a:prstGeom prst="rect">
-            <a:avLst/>
-          </a:prstGeom>
-          <a:noFill/>
-        </p:spPr>
-        <p:txBody>
-          <a:bodyPr wrap="square" rtlCol="0">
-            <a:spAutoFit/>
-          </a:bodyPr>
-          <a:lstStyle/>
-          <a:p>
-            <a:r>
-              <a:rPr lang="en-IN" dirty="0"/>
-              <a:t>Design pattern : Solution to the repetitively occurring problems</a:t>
-            </a:r>
-          </a:p>
-          <a:p>
-            <a:endParaRPr lang="en-IN" dirty="0"/>
-          </a:p>
-          <a:p>
-            <a:r>
-              <a:rPr lang="en-IN" dirty="0"/>
-              <a:t>GOF : Gang of Four</a:t>
-            </a:r>
-          </a:p>
-          <a:p>
-            <a:endParaRPr lang="en-IN" dirty="0"/>
-          </a:p>
-          <a:p>
-            <a:r>
-              <a:rPr lang="en-IN" dirty="0"/>
-              <a:t>GOF Design patterns:</a:t>
-            </a:r>
-          </a:p>
-          <a:p>
-            <a:endParaRPr lang="en-IN" dirty="0"/>
-          </a:p>
-          <a:p>
-            <a:pPr marL="342900" indent="-342900">
-              <a:buAutoNum type="arabicPeriod"/>
-            </a:pPr>
-            <a:r>
-              <a:rPr lang="en-IN" dirty="0"/>
-              <a:t>Creational  -&gt; Factory, </a:t>
-            </a:r>
-            <a:r>
-              <a:rPr lang="en-IN" dirty="0" err="1"/>
-              <a:t>Singleton,Prototype</a:t>
-            </a:r>
-            <a:endParaRPr lang="en-IN" dirty="0"/>
-          </a:p>
-          <a:p>
-            <a:pPr marL="342900" indent="-342900">
-              <a:buAutoNum type="arabicPeriod"/>
-            </a:pPr>
-            <a:r>
-              <a:rPr lang="en-IN" dirty="0"/>
-              <a:t>Structural</a:t>
-            </a:r>
-          </a:p>
-          <a:p>
-            <a:pPr marL="342900" indent="-342900">
-              <a:buAutoNum type="arabicPeriod"/>
-            </a:pPr>
-            <a:r>
-              <a:rPr lang="en-IN" dirty="0" err="1"/>
-              <a:t>Behavioriual</a:t>
-            </a:r>
-            <a:endParaRPr lang="en-IN" dirty="0"/>
-          </a:p>
-        </p:txBody>
-      </p:sp>
-    </p:spTree>
-    <p:extLst>
-      <p:ext uri="{BB962C8B-B14F-4D97-AF65-F5344CB8AC3E}">
-        <p14:creationId xmlns:p14="http://schemas.microsoft.com/office/powerpoint/2010/main" val="219983828"/>
-      </p:ext>
-    </p:extLst>
-  </p:cSld>
-  <p:clrMapOvr>
-    <a:masterClrMapping/>
-  </p:clrMapOvr>
-</p:sld>
-</file>
-
 <file path=ppt/slides/slide4.xml><?xml version="1.0" encoding="utf-8"?>
 <p:sld xmlns:a="http://schemas.openxmlformats.org/drawingml/2006/main" xmlns:r="http://schemas.openxmlformats.org/officeDocument/2006/relationships" xmlns:p="http://schemas.openxmlformats.org/presentationml/2006/main">
   <p:cSld>
@@ -3981,6 +3956,125 @@
           <p:cNvPr id="2" name="TextBox 1">
             <a:extLst>
               <a:ext uri="{FF2B5EF4-FFF2-40B4-BE49-F238E27FC236}">
+                <a16:creationId xmlns:a16="http://schemas.microsoft.com/office/drawing/2014/main" id="{CA7BE319-E6A5-20BD-B2DC-517F23E1FAD9}"/>
+              </a:ext>
+            </a:extLst>
+          </p:cNvPr>
+          <p:cNvSpPr txBox="1"/>
+          <p:nvPr/>
+        </p:nvSpPr>
+        <p:spPr>
+          <a:xfrm>
+            <a:off x="851338" y="867103"/>
+            <a:ext cx="10287000" cy="2585323"/>
+          </a:xfrm>
+          <a:prstGeom prst="rect">
+            <a:avLst/>
+          </a:prstGeom>
+          <a:noFill/>
+        </p:spPr>
+        <p:txBody>
+          <a:bodyPr wrap="square" rtlCol="0">
+            <a:spAutoFit/>
+          </a:bodyPr>
+          <a:lstStyle/>
+          <a:p>
+            <a:r>
+              <a:rPr lang="en-IN" dirty="0"/>
+              <a:t>Design pattern : Solution to the repetitively occurring problems</a:t>
+            </a:r>
+          </a:p>
+          <a:p>
+            <a:endParaRPr lang="en-IN" dirty="0"/>
+          </a:p>
+          <a:p>
+            <a:r>
+              <a:rPr lang="en-IN" dirty="0"/>
+              <a:t>GOF : Gang of Four</a:t>
+            </a:r>
+          </a:p>
+          <a:p>
+            <a:endParaRPr lang="en-IN" dirty="0"/>
+          </a:p>
+          <a:p>
+            <a:r>
+              <a:rPr lang="en-IN" dirty="0"/>
+              <a:t>GOF Design patterns:</a:t>
+            </a:r>
+          </a:p>
+          <a:p>
+            <a:endParaRPr lang="en-IN" dirty="0"/>
+          </a:p>
+          <a:p>
+            <a:pPr marL="342900" indent="-342900">
+              <a:buAutoNum type="arabicPeriod"/>
+            </a:pPr>
+            <a:r>
+              <a:rPr lang="en-IN" dirty="0"/>
+              <a:t>Creational  -&gt; Factory, </a:t>
+            </a:r>
+            <a:r>
+              <a:rPr lang="en-IN" dirty="0" err="1"/>
+              <a:t>Singleton,Prototype</a:t>
+            </a:r>
+            <a:endParaRPr lang="en-IN" dirty="0"/>
+          </a:p>
+          <a:p>
+            <a:pPr marL="342900" indent="-342900">
+              <a:buAutoNum type="arabicPeriod"/>
+            </a:pPr>
+            <a:r>
+              <a:rPr lang="en-IN" dirty="0"/>
+              <a:t>Structural</a:t>
+            </a:r>
+          </a:p>
+          <a:p>
+            <a:pPr marL="342900" indent="-342900">
+              <a:buAutoNum type="arabicPeriod"/>
+            </a:pPr>
+            <a:r>
+              <a:rPr lang="en-IN" dirty="0" err="1"/>
+              <a:t>Behavioriual</a:t>
+            </a:r>
+            <a:endParaRPr lang="en-IN" dirty="0"/>
+          </a:p>
+        </p:txBody>
+      </p:sp>
+    </p:spTree>
+    <p:extLst>
+      <p:ext uri="{BB962C8B-B14F-4D97-AF65-F5344CB8AC3E}">
+        <p14:creationId xmlns:p14="http://schemas.microsoft.com/office/powerpoint/2010/main" val="219983828"/>
+      </p:ext>
+    </p:extLst>
+  </p:cSld>
+  <p:clrMapOvr>
+    <a:masterClrMapping/>
+  </p:clrMapOvr>
+</p:sld>
+</file>
+
+<file path=ppt/slides/slide5.xml><?xml version="1.0" encoding="utf-8"?>
+<p:sld xmlns:a="http://schemas.openxmlformats.org/drawingml/2006/main" xmlns:r="http://schemas.openxmlformats.org/officeDocument/2006/relationships" xmlns:p="http://schemas.openxmlformats.org/presentationml/2006/main">
+  <p:cSld>
+    <p:spTree>
+      <p:nvGrpSpPr>
+        <p:cNvPr id="1" name=""/>
+        <p:cNvGrpSpPr/>
+        <p:nvPr/>
+      </p:nvGrpSpPr>
+      <p:grpSpPr>
+        <a:xfrm>
+          <a:off x="0" y="0"/>
+          <a:ext cx="0" cy="0"/>
+          <a:chOff x="0" y="0"/>
+          <a:chExt cx="0" cy="0"/>
+        </a:xfrm>
+      </p:grpSpPr>
+      <p:sp>
+        <p:nvSpPr>
+          <p:cNvPr id="2" name="TextBox 1">
+            <a:extLst>
+              <a:ext uri="{FF2B5EF4-FFF2-40B4-BE49-F238E27FC236}">
                 <a16:creationId xmlns:a16="http://schemas.microsoft.com/office/drawing/2014/main" id="{F7CE5225-A98E-67BE-320E-30DB0F2BF6A8}"/>
               </a:ext>
             </a:extLst>
@@ -4037,7 +4131,7 @@
 </p:sld>
 </file>
 
-<file path=ppt/slides/slide5.xml><?xml version="1.0" encoding="utf-8"?>
+<file path=ppt/slides/slide6.xml><?xml version="1.0" encoding="utf-8"?>
 <p:sld xmlns:a="http://schemas.openxmlformats.org/drawingml/2006/main" xmlns:r="http://schemas.openxmlformats.org/officeDocument/2006/relationships" xmlns:p="http://schemas.openxmlformats.org/presentationml/2006/main">
   <p:cSld>
     <p:spTree>
